--- a/master/figure/EvaluationOfTLSFStatistics.pptx
+++ b/master/figure/EvaluationOfTLSFStatistics.pptx
@@ -139,7 +139,7 @@
           <c:idx val="0"/>
           <c:order val="0"/>
           <c:spPr>
-            <a:ln w="19050" cap="rnd">
+            <a:ln w="31750" cap="rnd">
               <a:solidFill>
                 <a:schemeClr val="accent1"/>
               </a:solidFill>
@@ -18228,10 +18228,7 @@
           <c:spPr>
             <a:ln w="9525" cap="flat" cmpd="sng" algn="ctr">
               <a:solidFill>
-                <a:schemeClr val="tx1">
-                  <a:lumMod val="15000"/>
-                  <a:lumOff val="85000"/>
-                </a:schemeClr>
+                <a:schemeClr val="tx1"/>
               </a:solidFill>
               <a:round/>
             </a:ln>
@@ -18258,18 +18255,11 @@
                   </a:defRPr>
                 </a:pPr>
                 <a:r>
-                  <a:rPr lang="en-US" altLang="ja-JP" sz="2800" dirty="0" smtClean="0">
-                    <a:latin typeface="メイリオ" panose="020B0604030504040204" pitchFamily="50" charset="-128"/>
-                    <a:ea typeface="メイリオ" panose="020B0604030504040204" pitchFamily="50" charset="-128"/>
-                  </a:rPr>
-                  <a:t>TIME</a:t>
-                </a:r>
-                <a:r>
                   <a:rPr lang="en-US" altLang="ja-JP" sz="2800" baseline="0" dirty="0" smtClean="0">
                     <a:latin typeface="メイリオ" panose="020B0604030504040204" pitchFamily="50" charset="-128"/>
                     <a:ea typeface="メイリオ" panose="020B0604030504040204" pitchFamily="50" charset="-128"/>
                   </a:rPr>
-                  <a:t> (s)</a:t>
+                  <a:t>Execution Time [s]</a:t>
                 </a:r>
                 <a:endParaRPr lang="ja-JP" altLang="en-US" sz="2800" dirty="0">
                   <a:latin typeface="メイリオ" panose="020B0604030504040204" pitchFamily="50" charset="-128"/>
@@ -18316,10 +18306,7 @@
           <a:noFill/>
           <a:ln w="9525" cap="flat" cmpd="sng" algn="ctr">
             <a:solidFill>
-              <a:schemeClr val="tx1">
-                <a:lumMod val="25000"/>
-                <a:lumOff val="75000"/>
-              </a:schemeClr>
+              <a:schemeClr val="tx1"/>
             </a:solidFill>
             <a:round/>
           </a:ln>
@@ -18360,10 +18347,7 @@
           <c:spPr>
             <a:ln w="9525" cap="flat" cmpd="sng" algn="ctr">
               <a:solidFill>
-                <a:schemeClr val="tx1">
-                  <a:lumMod val="15000"/>
-                  <a:lumOff val="85000"/>
-                </a:schemeClr>
+                <a:schemeClr val="tx1"/>
               </a:solidFill>
               <a:round/>
             </a:ln>
@@ -18394,7 +18378,7 @@
                     <a:latin typeface="メイリオ" panose="020B0604030504040204" pitchFamily="50" charset="-128"/>
                     <a:ea typeface="メイリオ" panose="020B0604030504040204" pitchFamily="50" charset="-128"/>
                   </a:rPr>
-                  <a:t>SIZE (KB)</a:t>
+                  <a:t>Size [KB]</a:t>
                 </a:r>
                 <a:endParaRPr lang="ja-JP" altLang="en-US" sz="2800" dirty="0">
                   <a:latin typeface="メイリオ" panose="020B0604030504040204" pitchFamily="50" charset="-128"/>
@@ -18441,10 +18425,7 @@
           <a:noFill/>
           <a:ln w="9525" cap="flat" cmpd="sng" algn="ctr">
             <a:solidFill>
-              <a:schemeClr val="tx1">
-                <a:lumMod val="25000"/>
-                <a:lumOff val="75000"/>
-              </a:schemeClr>
+              <a:schemeClr val="tx1"/>
             </a:solidFill>
             <a:round/>
           </a:ln>
@@ -19147,7 +19128,7 @@
           <a:p>
             <a:fld id="{00D06802-B8EF-4FD8-9511-F1F928CF3A55}" type="datetimeFigureOut">
               <a:rPr kumimoji="1" lang="ja-JP" altLang="en-US" smtClean="0"/>
-              <a:t>2018/1/23</a:t>
+              <a:t>2018/1/30</a:t>
             </a:fld>
             <a:endParaRPr kumimoji="1" lang="ja-JP" altLang="en-US"/>
           </a:p>
@@ -19578,7 +19559,7 @@
           <a:p>
             <a:fld id="{AA641DB4-C951-4763-94FC-F650C3AA7E65}" type="datetimeFigureOut">
               <a:rPr kumimoji="1" lang="ja-JP" altLang="en-US" smtClean="0"/>
-              <a:t>2018/1/23</a:t>
+              <a:t>2018/1/30</a:t>
             </a:fld>
             <a:endParaRPr kumimoji="1" lang="ja-JP" altLang="en-US"/>
           </a:p>
@@ -19780,7 +19761,7 @@
           <a:p>
             <a:fld id="{AA641DB4-C951-4763-94FC-F650C3AA7E65}" type="datetimeFigureOut">
               <a:rPr kumimoji="1" lang="ja-JP" altLang="en-US" smtClean="0"/>
-              <a:t>2018/1/23</a:t>
+              <a:t>2018/1/30</a:t>
             </a:fld>
             <a:endParaRPr kumimoji="1" lang="ja-JP" altLang="en-US"/>
           </a:p>
@@ -19992,7 +19973,7 @@
           <a:p>
             <a:fld id="{AA641DB4-C951-4763-94FC-F650C3AA7E65}" type="datetimeFigureOut">
               <a:rPr kumimoji="1" lang="ja-JP" altLang="en-US" smtClean="0"/>
-              <a:t>2018/1/23</a:t>
+              <a:t>2018/1/30</a:t>
             </a:fld>
             <a:endParaRPr kumimoji="1" lang="ja-JP" altLang="en-US"/>
           </a:p>
@@ -20194,7 +20175,7 @@
           <a:p>
             <a:fld id="{AA641DB4-C951-4763-94FC-F650C3AA7E65}" type="datetimeFigureOut">
               <a:rPr kumimoji="1" lang="ja-JP" altLang="en-US" smtClean="0"/>
-              <a:t>2018/1/23</a:t>
+              <a:t>2018/1/30</a:t>
             </a:fld>
             <a:endParaRPr kumimoji="1" lang="ja-JP" altLang="en-US"/>
           </a:p>
@@ -20440,7 +20421,7 @@
           <a:p>
             <a:fld id="{AA641DB4-C951-4763-94FC-F650C3AA7E65}" type="datetimeFigureOut">
               <a:rPr kumimoji="1" lang="ja-JP" altLang="en-US" smtClean="0"/>
-              <a:t>2018/1/23</a:t>
+              <a:t>2018/1/30</a:t>
             </a:fld>
             <a:endParaRPr kumimoji="1" lang="ja-JP" altLang="en-US"/>
           </a:p>
@@ -20736,7 +20717,7 @@
           <a:p>
             <a:fld id="{AA641DB4-C951-4763-94FC-F650C3AA7E65}" type="datetimeFigureOut">
               <a:rPr kumimoji="1" lang="ja-JP" altLang="en-US" smtClean="0"/>
-              <a:t>2018/1/23</a:t>
+              <a:t>2018/1/30</a:t>
             </a:fld>
             <a:endParaRPr kumimoji="1" lang="ja-JP" altLang="en-US"/>
           </a:p>
@@ -21167,7 +21148,7 @@
           <a:p>
             <a:fld id="{AA641DB4-C951-4763-94FC-F650C3AA7E65}" type="datetimeFigureOut">
               <a:rPr kumimoji="1" lang="ja-JP" altLang="en-US" smtClean="0"/>
-              <a:t>2018/1/23</a:t>
+              <a:t>2018/1/30</a:t>
             </a:fld>
             <a:endParaRPr kumimoji="1" lang="ja-JP" altLang="en-US"/>
           </a:p>
@@ -21285,7 +21266,7 @@
           <a:p>
             <a:fld id="{AA641DB4-C951-4763-94FC-F650C3AA7E65}" type="datetimeFigureOut">
               <a:rPr kumimoji="1" lang="ja-JP" altLang="en-US" smtClean="0"/>
-              <a:t>2018/1/23</a:t>
+              <a:t>2018/1/30</a:t>
             </a:fld>
             <a:endParaRPr kumimoji="1" lang="ja-JP" altLang="en-US"/>
           </a:p>
@@ -21380,7 +21361,7 @@
           <a:p>
             <a:fld id="{AA641DB4-C951-4763-94FC-F650C3AA7E65}" type="datetimeFigureOut">
               <a:rPr kumimoji="1" lang="ja-JP" altLang="en-US" smtClean="0"/>
-              <a:t>2018/1/23</a:t>
+              <a:t>2018/1/30</a:t>
             </a:fld>
             <a:endParaRPr kumimoji="1" lang="ja-JP" altLang="en-US"/>
           </a:p>
@@ -21689,7 +21670,7 @@
           <a:p>
             <a:fld id="{AA641DB4-C951-4763-94FC-F650C3AA7E65}" type="datetimeFigureOut">
               <a:rPr kumimoji="1" lang="ja-JP" altLang="en-US" smtClean="0"/>
-              <a:t>2018/1/23</a:t>
+              <a:t>2018/1/30</a:t>
             </a:fld>
             <a:endParaRPr kumimoji="1" lang="ja-JP" altLang="en-US"/>
           </a:p>
@@ -21942,7 +21923,7 @@
           <a:p>
             <a:fld id="{AA641DB4-C951-4763-94FC-F650C3AA7E65}" type="datetimeFigureOut">
               <a:rPr kumimoji="1" lang="ja-JP" altLang="en-US" smtClean="0"/>
-              <a:t>2018/1/23</a:t>
+              <a:t>2018/1/30</a:t>
             </a:fld>
             <a:endParaRPr kumimoji="1" lang="ja-JP" altLang="en-US"/>
           </a:p>
@@ -22187,7 +22168,7 @@
           <a:p>
             <a:fld id="{AA641DB4-C951-4763-94FC-F650C3AA7E65}" type="datetimeFigureOut">
               <a:rPr kumimoji="1" lang="ja-JP" altLang="en-US" smtClean="0"/>
-              <a:t>2018/1/23</a:t>
+              <a:t>2018/1/30</a:t>
             </a:fld>
             <a:endParaRPr kumimoji="1" lang="ja-JP" altLang="en-US"/>
           </a:p>
@@ -22601,7 +22582,7 @@
           <p:nvPr>
             <p:extLst>
               <p:ext uri="{D42A27DB-BD31-4B8C-83A1-F6EECF244321}">
-                <p14:modId xmlns:p14="http://schemas.microsoft.com/office/powerpoint/2010/main" val="3864913089"/>
+                <p14:modId xmlns:p14="http://schemas.microsoft.com/office/powerpoint/2010/main" val="2788964659"/>
               </p:ext>
             </p:extLst>
           </p:nvPr>
